--- a/CSCI-111/week-2/week-2-lecture-2/week-2-lecture-2.pptx
+++ b/CSCI-111/week-2/week-2-lecture-2/week-2-lecture-2.pptx
@@ -272,7 +272,7 @@
       </p15:sldGuideLst>
     </p:ext>
     <p:ext uri="GoogleSlidesCustomDataVersion2">
-      <go:slidesCustomData xmlns:go="http://customooxmlschemas.google.com/" r:id="rId22" roundtripDataSignature="AMtx7misopiwXVQg/mDJ/iVPPZ+/CDRelg=="/>
+      <go:slidesCustomData xmlns:go="http://customooxmlschemas.google.com/" r:id="rId22" roundtripDataSignature="AMtx7mj2IBDQX5QwIofzZh+1SOeQzZYrPg=="/>
     </p:ext>
   </p:extLst>
 </p:presentation>
@@ -961,7 +961,7 @@
   <p:cSld>
     <p:spTree>
       <p:nvGrpSpPr>
-        <p:cNvPr id="133" name="Shape 133"/>
+        <p:cNvPr id="135" name="Shape 135"/>
         <p:cNvGrpSpPr/>
         <p:nvPr/>
       </p:nvGrpSpPr>
@@ -975,7 +975,7 @@
       </p:grpSpPr>
       <p:sp>
         <p:nvSpPr>
-          <p:cNvPr id="134" name="Google Shape;134;p10:notes"/>
+          <p:cNvPr id="136" name="Google Shape;136;p10:notes"/>
           <p:cNvSpPr/>
           <p:nvPr>
             <p:ph idx="2" type="sldImg"/>
@@ -1020,7 +1020,7 @@
       </p:sp>
       <p:sp>
         <p:nvSpPr>
-          <p:cNvPr id="135" name="Google Shape;135;p10:notes"/>
+          <p:cNvPr id="137" name="Google Shape;137;p10:notes"/>
           <p:cNvSpPr txBox="1"/>
           <p:nvPr>
             <p:ph idx="1" type="body"/>
@@ -1078,7 +1078,7 @@
   <p:cSld>
     <p:spTree>
       <p:nvGrpSpPr>
-        <p:cNvPr id="140" name="Shape 140"/>
+        <p:cNvPr id="143" name="Shape 143"/>
         <p:cNvGrpSpPr/>
         <p:nvPr/>
       </p:nvGrpSpPr>
@@ -1092,7 +1092,7 @@
       </p:grpSpPr>
       <p:sp>
         <p:nvSpPr>
-          <p:cNvPr id="141" name="Google Shape;141;p11:notes"/>
+          <p:cNvPr id="144" name="Google Shape;144;p11:notes"/>
           <p:cNvSpPr/>
           <p:nvPr>
             <p:ph idx="2" type="sldImg"/>
@@ -1137,7 +1137,7 @@
       </p:sp>
       <p:sp>
         <p:nvSpPr>
-          <p:cNvPr id="142" name="Google Shape;142;p11:notes"/>
+          <p:cNvPr id="145" name="Google Shape;145;p11:notes"/>
           <p:cNvSpPr txBox="1"/>
           <p:nvPr>
             <p:ph idx="1" type="body"/>
@@ -1195,7 +1195,7 @@
   <p:cSld>
     <p:spTree>
       <p:nvGrpSpPr>
-        <p:cNvPr id="148" name="Shape 148"/>
+        <p:cNvPr id="152" name="Shape 152"/>
         <p:cNvGrpSpPr/>
         <p:nvPr/>
       </p:nvGrpSpPr>
@@ -1209,7 +1209,7 @@
       </p:grpSpPr>
       <p:sp>
         <p:nvSpPr>
-          <p:cNvPr id="149" name="Google Shape;149;p12:notes"/>
+          <p:cNvPr id="153" name="Google Shape;153;p12:notes"/>
           <p:cNvSpPr/>
           <p:nvPr>
             <p:ph idx="2" type="sldImg"/>
@@ -1254,7 +1254,7 @@
       </p:sp>
       <p:sp>
         <p:nvSpPr>
-          <p:cNvPr id="150" name="Google Shape;150;p12:notes"/>
+          <p:cNvPr id="154" name="Google Shape;154;p12:notes"/>
           <p:cNvSpPr txBox="1"/>
           <p:nvPr>
             <p:ph idx="1" type="body"/>
@@ -1312,7 +1312,7 @@
   <p:cSld>
     <p:spTree>
       <p:nvGrpSpPr>
-        <p:cNvPr id="155" name="Shape 155"/>
+        <p:cNvPr id="160" name="Shape 160"/>
         <p:cNvGrpSpPr/>
         <p:nvPr/>
       </p:nvGrpSpPr>
@@ -1326,7 +1326,7 @@
       </p:grpSpPr>
       <p:sp>
         <p:nvSpPr>
-          <p:cNvPr id="156" name="Google Shape;156;p13:notes"/>
+          <p:cNvPr id="161" name="Google Shape;161;p13:notes"/>
           <p:cNvSpPr/>
           <p:nvPr>
             <p:ph idx="2" type="sldImg"/>
@@ -1371,7 +1371,7 @@
       </p:sp>
       <p:sp>
         <p:nvSpPr>
-          <p:cNvPr id="157" name="Google Shape;157;p13:notes"/>
+          <p:cNvPr id="162" name="Google Shape;162;p13:notes"/>
           <p:cNvSpPr txBox="1"/>
           <p:nvPr>
             <p:ph idx="1" type="body"/>
@@ -1429,7 +1429,7 @@
   <p:cSld>
     <p:spTree>
       <p:nvGrpSpPr>
-        <p:cNvPr id="162" name="Shape 162"/>
+        <p:cNvPr id="168" name="Shape 168"/>
         <p:cNvGrpSpPr/>
         <p:nvPr/>
       </p:nvGrpSpPr>
@@ -1443,7 +1443,7 @@
       </p:grpSpPr>
       <p:sp>
         <p:nvSpPr>
-          <p:cNvPr id="163" name="Google Shape;163;p14:notes"/>
+          <p:cNvPr id="169" name="Google Shape;169;p14:notes"/>
           <p:cNvSpPr/>
           <p:nvPr>
             <p:ph idx="2" type="sldImg"/>
@@ -1488,7 +1488,7 @@
       </p:sp>
       <p:sp>
         <p:nvSpPr>
-          <p:cNvPr id="164" name="Google Shape;164;p14:notes"/>
+          <p:cNvPr id="170" name="Google Shape;170;p14:notes"/>
           <p:cNvSpPr txBox="1"/>
           <p:nvPr>
             <p:ph idx="1" type="body"/>
@@ -1546,7 +1546,7 @@
   <p:cSld>
     <p:spTree>
       <p:nvGrpSpPr>
-        <p:cNvPr id="168" name="Shape 168"/>
+        <p:cNvPr id="174" name="Shape 174"/>
         <p:cNvGrpSpPr/>
         <p:nvPr/>
       </p:nvGrpSpPr>
@@ -1560,7 +1560,7 @@
       </p:grpSpPr>
       <p:sp>
         <p:nvSpPr>
-          <p:cNvPr id="169" name="Google Shape;169;p15:notes"/>
+          <p:cNvPr id="175" name="Google Shape;175;p15:notes"/>
           <p:cNvSpPr/>
           <p:nvPr>
             <p:ph idx="2" type="sldImg"/>
@@ -1605,7 +1605,7 @@
       </p:sp>
       <p:sp>
         <p:nvSpPr>
-          <p:cNvPr id="170" name="Google Shape;170;p15:notes"/>
+          <p:cNvPr id="176" name="Google Shape;176;p15:notes"/>
           <p:cNvSpPr txBox="1"/>
           <p:nvPr>
             <p:ph idx="1" type="body"/>
@@ -1663,7 +1663,7 @@
   <p:cSld>
     <p:spTree>
       <p:nvGrpSpPr>
-        <p:cNvPr id="174" name="Shape 174"/>
+        <p:cNvPr id="180" name="Shape 180"/>
         <p:cNvGrpSpPr/>
         <p:nvPr/>
       </p:nvGrpSpPr>
@@ -1677,7 +1677,7 @@
       </p:grpSpPr>
       <p:sp>
         <p:nvSpPr>
-          <p:cNvPr id="175" name="Google Shape;175;p16:notes"/>
+          <p:cNvPr id="181" name="Google Shape;181;p16:notes"/>
           <p:cNvSpPr/>
           <p:nvPr>
             <p:ph idx="2" type="sldImg"/>
@@ -1722,7 +1722,7 @@
       </p:sp>
       <p:sp>
         <p:nvSpPr>
-          <p:cNvPr id="176" name="Google Shape;176;p16:notes"/>
+          <p:cNvPr id="182" name="Google Shape;182;p16:notes"/>
           <p:cNvSpPr txBox="1"/>
           <p:nvPr>
             <p:ph idx="1" type="body"/>
@@ -2365,7 +2365,7 @@
   <p:cSld>
     <p:spTree>
       <p:nvGrpSpPr>
-        <p:cNvPr id="104" name="Shape 104"/>
+        <p:cNvPr id="105" name="Shape 105"/>
         <p:cNvGrpSpPr/>
         <p:nvPr/>
       </p:nvGrpSpPr>
@@ -2379,7 +2379,7 @@
       </p:grpSpPr>
       <p:sp>
         <p:nvSpPr>
-          <p:cNvPr id="105" name="Google Shape;105;p7:notes"/>
+          <p:cNvPr id="106" name="Google Shape;106;p7:notes"/>
           <p:cNvSpPr/>
           <p:nvPr>
             <p:ph idx="2" type="sldImg"/>
@@ -2424,7 +2424,7 @@
       </p:sp>
       <p:sp>
         <p:nvSpPr>
-          <p:cNvPr id="106" name="Google Shape;106;p7:notes"/>
+          <p:cNvPr id="107" name="Google Shape;107;p7:notes"/>
           <p:cNvSpPr txBox="1"/>
           <p:nvPr>
             <p:ph idx="1" type="body"/>
@@ -2482,7 +2482,7 @@
   <p:cSld>
     <p:spTree>
       <p:nvGrpSpPr>
-        <p:cNvPr id="119" name="Shape 119"/>
+        <p:cNvPr id="121" name="Shape 121"/>
         <p:cNvGrpSpPr/>
         <p:nvPr/>
       </p:nvGrpSpPr>
@@ -2496,7 +2496,7 @@
       </p:grpSpPr>
       <p:sp>
         <p:nvSpPr>
-          <p:cNvPr id="120" name="Google Shape;120;p8:notes"/>
+          <p:cNvPr id="122" name="Google Shape;122;p8:notes"/>
           <p:cNvSpPr/>
           <p:nvPr>
             <p:ph idx="2" type="sldImg"/>
@@ -2541,7 +2541,7 @@
       </p:sp>
       <p:sp>
         <p:nvSpPr>
-          <p:cNvPr id="121" name="Google Shape;121;p8:notes"/>
+          <p:cNvPr id="123" name="Google Shape;123;p8:notes"/>
           <p:cNvSpPr txBox="1"/>
           <p:nvPr>
             <p:ph idx="1" type="body"/>
@@ -2599,7 +2599,7 @@
   <p:cSld>
     <p:spTree>
       <p:nvGrpSpPr>
-        <p:cNvPr id="127" name="Shape 127"/>
+        <p:cNvPr id="129" name="Shape 129"/>
         <p:cNvGrpSpPr/>
         <p:nvPr/>
       </p:nvGrpSpPr>
@@ -2613,7 +2613,7 @@
       </p:grpSpPr>
       <p:sp>
         <p:nvSpPr>
-          <p:cNvPr id="128" name="Google Shape;128;p9:notes"/>
+          <p:cNvPr id="130" name="Google Shape;130;p9:notes"/>
           <p:cNvSpPr/>
           <p:nvPr>
             <p:ph idx="2" type="sldImg"/>
@@ -2658,7 +2658,7 @@
       </p:sp>
       <p:sp>
         <p:nvSpPr>
-          <p:cNvPr id="129" name="Google Shape;129;p9:notes"/>
+          <p:cNvPr id="131" name="Google Shape;131;p9:notes"/>
           <p:cNvSpPr txBox="1"/>
           <p:nvPr>
             <p:ph idx="1" type="body"/>
@@ -11221,7 +11221,7 @@
                 <a:cs typeface="Courier New"/>
                 <a:sym typeface="Courier New"/>
               </a:rPr>
-              <a:t>Dr. Talgat Manglayev</a:t>
+              <a:t>Talgat Manglayev</a:t>
             </a:r>
             <a:r>
               <a:rPr lang="en" sz="1800">
@@ -11339,7 +11339,7 @@
                 <a:cs typeface="Courier New"/>
                 <a:sym typeface="Courier New"/>
               </a:rPr>
-              <a:t>Dr. Irina Dolzhikova</a:t>
+              <a:t>Irina Dolzhikova</a:t>
             </a:r>
             <a:r>
               <a:rPr lang="en" sz="1800">
@@ -11453,7 +11453,7 @@
                 <a:cs typeface="Courier New"/>
                 <a:sym typeface="Courier New"/>
               </a:rPr>
-              <a:t>Marat Isteleyev</a:t>
+              <a:t>Aigerim Yessenbayeva</a:t>
             </a:r>
             <a:r>
               <a:rPr lang="en" sz="1800">
@@ -11709,7 +11709,7 @@
   <p:cSld>
     <p:spTree>
       <p:nvGrpSpPr>
-        <p:cNvPr id="136" name="Shape 136"/>
+        <p:cNvPr id="138" name="Shape 138"/>
         <p:cNvGrpSpPr/>
         <p:nvPr/>
       </p:nvGrpSpPr>
@@ -11723,7 +11723,7 @@
       </p:grpSpPr>
       <p:sp>
         <p:nvSpPr>
-          <p:cNvPr id="137" name="Google Shape;137;p10"/>
+          <p:cNvPr id="139" name="Google Shape;139;p10"/>
           <p:cNvSpPr txBox="1"/>
           <p:nvPr>
             <p:ph type="title"/>
@@ -11771,7 +11771,7 @@
       </p:sp>
       <p:sp>
         <p:nvSpPr>
-          <p:cNvPr id="138" name="Google Shape;138;p10"/>
+          <p:cNvPr id="140" name="Google Shape;140;p10"/>
           <p:cNvSpPr txBox="1"/>
           <p:nvPr>
             <p:ph idx="1" type="body"/>
@@ -12163,7 +12163,7 @@
       </p:sp>
       <p:sp>
         <p:nvSpPr>
-          <p:cNvPr id="139" name="Google Shape;139;p10"/>
+          <p:cNvPr id="141" name="Google Shape;141;p10"/>
           <p:cNvSpPr txBox="1"/>
           <p:nvPr/>
         </p:nvSpPr>
@@ -12530,6 +12530,73 @@
           </a:p>
         </p:txBody>
       </p:sp>
+      <p:sp>
+        <p:nvSpPr>
+          <p:cNvPr id="142" name="Google Shape;142;p10"/>
+          <p:cNvSpPr/>
+          <p:nvPr/>
+        </p:nvSpPr>
+        <p:spPr>
+          <a:xfrm>
+            <a:off x="7007500" y="4821150"/>
+            <a:ext cx="2136600" cy="322200"/>
+          </a:xfrm>
+          <a:prstGeom prst="rect">
+            <a:avLst/>
+          </a:prstGeom>
+          <a:noFill/>
+          <a:ln>
+            <a:noFill/>
+          </a:ln>
+        </p:spPr>
+        <p:txBody>
+          <a:bodyPr anchorCtr="0" anchor="ctr" bIns="91425" lIns="91425" spcFirstLastPara="1" rIns="91425" wrap="square" tIns="91425">
+            <a:noAutofit/>
+          </a:bodyPr>
+          <a:lstStyle/>
+          <a:p>
+            <a:pPr indent="0" lvl="0" marL="0" rtl="0" algn="ctr">
+              <a:spcBef>
+                <a:spcPts val="0"/>
+              </a:spcBef>
+              <a:spcAft>
+                <a:spcPts val="0"/>
+              </a:spcAft>
+              <a:buNone/>
+            </a:pPr>
+            <a:r>
+              <a:rPr lang="en">
+                <a:latin typeface="Courier New"/>
+                <a:ea typeface="Courier New"/>
+                <a:cs typeface="Courier New"/>
+                <a:sym typeface="Courier New"/>
+              </a:rPr>
+              <a:t>page-2</a:t>
+            </a:r>
+            <a:r>
+              <a:rPr lang="en">
+                <a:solidFill>
+                  <a:srgbClr val="000000"/>
+                </a:solidFill>
+                <a:latin typeface="Courier New"/>
+                <a:ea typeface="Courier New"/>
+                <a:cs typeface="Courier New"/>
+                <a:sym typeface="Courier New"/>
+              </a:rPr>
+              <a:t>.html</a:t>
+            </a:r>
+            <a:endParaRPr>
+              <a:solidFill>
+                <a:srgbClr val="000000"/>
+              </a:solidFill>
+              <a:latin typeface="Courier New"/>
+              <a:ea typeface="Courier New"/>
+              <a:cs typeface="Courier New"/>
+              <a:sym typeface="Courier New"/>
+            </a:endParaRPr>
+          </a:p>
+        </p:txBody>
+      </p:sp>
     </p:spTree>
   </p:cSld>
   <p:clrMapOvr>
@@ -12543,7 +12610,7 @@
   <p:cSld>
     <p:spTree>
       <p:nvGrpSpPr>
-        <p:cNvPr id="143" name="Shape 143"/>
+        <p:cNvPr id="146" name="Shape 146"/>
         <p:cNvGrpSpPr/>
         <p:nvPr/>
       </p:nvGrpSpPr>
@@ -12557,7 +12624,7 @@
       </p:grpSpPr>
       <p:sp>
         <p:nvSpPr>
-          <p:cNvPr id="144" name="Google Shape;144;p11"/>
+          <p:cNvPr id="147" name="Google Shape;147;p11"/>
           <p:cNvSpPr txBox="1"/>
           <p:nvPr>
             <p:ph type="title"/>
@@ -12605,7 +12672,7 @@
       </p:sp>
       <p:sp>
         <p:nvSpPr>
-          <p:cNvPr id="145" name="Google Shape;145;p11"/>
+          <p:cNvPr id="148" name="Google Shape;148;p11"/>
           <p:cNvSpPr txBox="1"/>
           <p:nvPr>
             <p:ph idx="1" type="body"/>
@@ -12881,7 +12948,7 @@
       </p:sp>
       <p:sp>
         <p:nvSpPr>
-          <p:cNvPr id="146" name="Google Shape;146;p11"/>
+          <p:cNvPr id="149" name="Google Shape;149;p11"/>
           <p:cNvSpPr txBox="1"/>
           <p:nvPr/>
         </p:nvSpPr>
@@ -13125,7 +13192,7 @@
       </p:sp>
       <p:sp>
         <p:nvSpPr>
-          <p:cNvPr id="147" name="Google Shape;147;p11"/>
+          <p:cNvPr id="150" name="Google Shape;150;p11"/>
           <p:cNvSpPr txBox="1"/>
           <p:nvPr/>
         </p:nvSpPr>
@@ -13189,6 +13256,73 @@
           </a:p>
         </p:txBody>
       </p:sp>
+      <p:sp>
+        <p:nvSpPr>
+          <p:cNvPr id="151" name="Google Shape;151;p11"/>
+          <p:cNvSpPr/>
+          <p:nvPr/>
+        </p:nvSpPr>
+        <p:spPr>
+          <a:xfrm>
+            <a:off x="7007500" y="4821150"/>
+            <a:ext cx="2136600" cy="322200"/>
+          </a:xfrm>
+          <a:prstGeom prst="rect">
+            <a:avLst/>
+          </a:prstGeom>
+          <a:noFill/>
+          <a:ln>
+            <a:noFill/>
+          </a:ln>
+        </p:spPr>
+        <p:txBody>
+          <a:bodyPr anchorCtr="0" anchor="ctr" bIns="91425" lIns="91425" spcFirstLastPara="1" rIns="91425" wrap="square" tIns="91425">
+            <a:noAutofit/>
+          </a:bodyPr>
+          <a:lstStyle/>
+          <a:p>
+            <a:pPr indent="0" lvl="0" marL="0" rtl="0" algn="ctr">
+              <a:spcBef>
+                <a:spcPts val="0"/>
+              </a:spcBef>
+              <a:spcAft>
+                <a:spcPts val="0"/>
+              </a:spcAft>
+              <a:buNone/>
+            </a:pPr>
+            <a:r>
+              <a:rPr lang="en">
+                <a:latin typeface="Courier New"/>
+                <a:ea typeface="Courier New"/>
+                <a:cs typeface="Courier New"/>
+                <a:sym typeface="Courier New"/>
+              </a:rPr>
+              <a:t>page-3</a:t>
+            </a:r>
+            <a:r>
+              <a:rPr lang="en">
+                <a:solidFill>
+                  <a:srgbClr val="000000"/>
+                </a:solidFill>
+                <a:latin typeface="Courier New"/>
+                <a:ea typeface="Courier New"/>
+                <a:cs typeface="Courier New"/>
+                <a:sym typeface="Courier New"/>
+              </a:rPr>
+              <a:t>.html</a:t>
+            </a:r>
+            <a:endParaRPr>
+              <a:solidFill>
+                <a:srgbClr val="000000"/>
+              </a:solidFill>
+              <a:latin typeface="Courier New"/>
+              <a:ea typeface="Courier New"/>
+              <a:cs typeface="Courier New"/>
+              <a:sym typeface="Courier New"/>
+            </a:endParaRPr>
+          </a:p>
+        </p:txBody>
+      </p:sp>
     </p:spTree>
   </p:cSld>
   <p:clrMapOvr>
@@ -13202,7 +13336,7 @@
   <p:cSld>
     <p:spTree>
       <p:nvGrpSpPr>
-        <p:cNvPr id="151" name="Shape 151"/>
+        <p:cNvPr id="155" name="Shape 155"/>
         <p:cNvGrpSpPr/>
         <p:nvPr/>
       </p:nvGrpSpPr>
@@ -13216,7 +13350,7 @@
       </p:grpSpPr>
       <p:sp>
         <p:nvSpPr>
-          <p:cNvPr id="152" name="Google Shape;152;p12"/>
+          <p:cNvPr id="156" name="Google Shape;156;p12"/>
           <p:cNvSpPr txBox="1"/>
           <p:nvPr>
             <p:ph type="title"/>
@@ -13264,7 +13398,7 @@
       </p:sp>
       <p:sp>
         <p:nvSpPr>
-          <p:cNvPr id="153" name="Google Shape;153;p12"/>
+          <p:cNvPr id="157" name="Google Shape;157;p12"/>
           <p:cNvSpPr txBox="1"/>
           <p:nvPr>
             <p:ph idx="1" type="body"/>
@@ -13724,7 +13858,7 @@
       </p:sp>
       <p:sp>
         <p:nvSpPr>
-          <p:cNvPr id="154" name="Google Shape;154;p12"/>
+          <p:cNvPr id="158" name="Google Shape;158;p12"/>
           <p:cNvSpPr txBox="1"/>
           <p:nvPr/>
         </p:nvSpPr>
@@ -14016,6 +14150,73 @@
           </a:p>
         </p:txBody>
       </p:sp>
+      <p:sp>
+        <p:nvSpPr>
+          <p:cNvPr id="159" name="Google Shape;159;p12"/>
+          <p:cNvSpPr/>
+          <p:nvPr/>
+        </p:nvSpPr>
+        <p:spPr>
+          <a:xfrm>
+            <a:off x="7007500" y="4821150"/>
+            <a:ext cx="2136600" cy="322200"/>
+          </a:xfrm>
+          <a:prstGeom prst="rect">
+            <a:avLst/>
+          </a:prstGeom>
+          <a:noFill/>
+          <a:ln>
+            <a:noFill/>
+          </a:ln>
+        </p:spPr>
+        <p:txBody>
+          <a:bodyPr anchorCtr="0" anchor="ctr" bIns="91425" lIns="91425" spcFirstLastPara="1" rIns="91425" wrap="square" tIns="91425">
+            <a:noAutofit/>
+          </a:bodyPr>
+          <a:lstStyle/>
+          <a:p>
+            <a:pPr indent="0" lvl="0" marL="0" rtl="0" algn="ctr">
+              <a:spcBef>
+                <a:spcPts val="0"/>
+              </a:spcBef>
+              <a:spcAft>
+                <a:spcPts val="0"/>
+              </a:spcAft>
+              <a:buNone/>
+            </a:pPr>
+            <a:r>
+              <a:rPr lang="en">
+                <a:latin typeface="Courier New"/>
+                <a:ea typeface="Courier New"/>
+                <a:cs typeface="Courier New"/>
+                <a:sym typeface="Courier New"/>
+              </a:rPr>
+              <a:t>page-4</a:t>
+            </a:r>
+            <a:r>
+              <a:rPr lang="en">
+                <a:solidFill>
+                  <a:srgbClr val="000000"/>
+                </a:solidFill>
+                <a:latin typeface="Courier New"/>
+                <a:ea typeface="Courier New"/>
+                <a:cs typeface="Courier New"/>
+                <a:sym typeface="Courier New"/>
+              </a:rPr>
+              <a:t>.html</a:t>
+            </a:r>
+            <a:endParaRPr>
+              <a:solidFill>
+                <a:srgbClr val="000000"/>
+              </a:solidFill>
+              <a:latin typeface="Courier New"/>
+              <a:ea typeface="Courier New"/>
+              <a:cs typeface="Courier New"/>
+              <a:sym typeface="Courier New"/>
+            </a:endParaRPr>
+          </a:p>
+        </p:txBody>
+      </p:sp>
     </p:spTree>
   </p:cSld>
   <p:clrMapOvr>
@@ -14029,7 +14230,7 @@
   <p:cSld>
     <p:spTree>
       <p:nvGrpSpPr>
-        <p:cNvPr id="158" name="Shape 158"/>
+        <p:cNvPr id="163" name="Shape 163"/>
         <p:cNvGrpSpPr/>
         <p:nvPr/>
       </p:nvGrpSpPr>
@@ -14043,7 +14244,7 @@
       </p:grpSpPr>
       <p:sp>
         <p:nvSpPr>
-          <p:cNvPr id="159" name="Google Shape;159;p13"/>
+          <p:cNvPr id="164" name="Google Shape;164;p13"/>
           <p:cNvSpPr txBox="1"/>
           <p:nvPr>
             <p:ph type="title"/>
@@ -14091,7 +14292,7 @@
       </p:sp>
       <p:sp>
         <p:nvSpPr>
-          <p:cNvPr id="160" name="Google Shape;160;p13"/>
+          <p:cNvPr id="165" name="Google Shape;165;p13"/>
           <p:cNvSpPr txBox="1"/>
           <p:nvPr>
             <p:ph idx="1" type="body"/>
@@ -14508,7 +14709,7 @@
       </p:sp>
       <p:sp>
         <p:nvSpPr>
-          <p:cNvPr id="161" name="Google Shape;161;p13"/>
+          <p:cNvPr id="166" name="Google Shape;166;p13"/>
           <p:cNvSpPr txBox="1"/>
           <p:nvPr/>
         </p:nvSpPr>
@@ -14584,6 +14785,73 @@
           </a:p>
         </p:txBody>
       </p:sp>
+      <p:sp>
+        <p:nvSpPr>
+          <p:cNvPr id="167" name="Google Shape;167;p13"/>
+          <p:cNvSpPr/>
+          <p:nvPr/>
+        </p:nvSpPr>
+        <p:spPr>
+          <a:xfrm>
+            <a:off x="7007500" y="4821150"/>
+            <a:ext cx="2136600" cy="322200"/>
+          </a:xfrm>
+          <a:prstGeom prst="rect">
+            <a:avLst/>
+          </a:prstGeom>
+          <a:noFill/>
+          <a:ln>
+            <a:noFill/>
+          </a:ln>
+        </p:spPr>
+        <p:txBody>
+          <a:bodyPr anchorCtr="0" anchor="ctr" bIns="91425" lIns="91425" spcFirstLastPara="1" rIns="91425" wrap="square" tIns="91425">
+            <a:noAutofit/>
+          </a:bodyPr>
+          <a:lstStyle/>
+          <a:p>
+            <a:pPr indent="0" lvl="0" marL="0" rtl="0" algn="ctr">
+              <a:spcBef>
+                <a:spcPts val="0"/>
+              </a:spcBef>
+              <a:spcAft>
+                <a:spcPts val="0"/>
+              </a:spcAft>
+              <a:buNone/>
+            </a:pPr>
+            <a:r>
+              <a:rPr lang="en">
+                <a:latin typeface="Courier New"/>
+                <a:ea typeface="Courier New"/>
+                <a:cs typeface="Courier New"/>
+                <a:sym typeface="Courier New"/>
+              </a:rPr>
+              <a:t>page-5</a:t>
+            </a:r>
+            <a:r>
+              <a:rPr lang="en">
+                <a:solidFill>
+                  <a:srgbClr val="000000"/>
+                </a:solidFill>
+                <a:latin typeface="Courier New"/>
+                <a:ea typeface="Courier New"/>
+                <a:cs typeface="Courier New"/>
+                <a:sym typeface="Courier New"/>
+              </a:rPr>
+              <a:t>.html</a:t>
+            </a:r>
+            <a:endParaRPr>
+              <a:solidFill>
+                <a:srgbClr val="000000"/>
+              </a:solidFill>
+              <a:latin typeface="Courier New"/>
+              <a:ea typeface="Courier New"/>
+              <a:cs typeface="Courier New"/>
+              <a:sym typeface="Courier New"/>
+            </a:endParaRPr>
+          </a:p>
+        </p:txBody>
+      </p:sp>
     </p:spTree>
   </p:cSld>
   <p:clrMapOvr>
@@ -14597,7 +14865,7 @@
   <p:cSld>
     <p:spTree>
       <p:nvGrpSpPr>
-        <p:cNvPr id="165" name="Shape 165"/>
+        <p:cNvPr id="171" name="Shape 171"/>
         <p:cNvGrpSpPr/>
         <p:nvPr/>
       </p:nvGrpSpPr>
@@ -14611,7 +14879,7 @@
       </p:grpSpPr>
       <p:sp>
         <p:nvSpPr>
-          <p:cNvPr id="166" name="Google Shape;166;p14"/>
+          <p:cNvPr id="172" name="Google Shape;172;p14"/>
           <p:cNvSpPr txBox="1"/>
           <p:nvPr>
             <p:ph type="title"/>
@@ -14659,7 +14927,7 @@
       </p:sp>
       <p:sp>
         <p:nvSpPr>
-          <p:cNvPr id="167" name="Google Shape;167;p14"/>
+          <p:cNvPr id="173" name="Google Shape;173;p14"/>
           <p:cNvSpPr txBox="1"/>
           <p:nvPr>
             <p:ph idx="1" type="body"/>
@@ -14920,7 +15188,7 @@
   <p:cSld>
     <p:spTree>
       <p:nvGrpSpPr>
-        <p:cNvPr id="171" name="Shape 171"/>
+        <p:cNvPr id="177" name="Shape 177"/>
         <p:cNvGrpSpPr/>
         <p:nvPr/>
       </p:nvGrpSpPr>
@@ -14934,7 +15202,7 @@
       </p:grpSpPr>
       <p:sp>
         <p:nvSpPr>
-          <p:cNvPr id="172" name="Google Shape;172;p15"/>
+          <p:cNvPr id="178" name="Google Shape;178;p15"/>
           <p:cNvSpPr txBox="1"/>
           <p:nvPr>
             <p:ph type="title"/>
@@ -14982,7 +15250,7 @@
       </p:sp>
       <p:sp>
         <p:nvSpPr>
-          <p:cNvPr id="173" name="Google Shape;173;p15"/>
+          <p:cNvPr id="179" name="Google Shape;179;p15"/>
           <p:cNvSpPr txBox="1"/>
           <p:nvPr>
             <p:ph idx="1" type="body"/>
@@ -15236,7 +15504,7 @@
   <p:cSld>
     <p:spTree>
       <p:nvGrpSpPr>
-        <p:cNvPr id="177" name="Shape 177"/>
+        <p:cNvPr id="183" name="Shape 183"/>
         <p:cNvGrpSpPr/>
         <p:nvPr/>
       </p:nvGrpSpPr>
@@ -15250,7 +15518,7 @@
       </p:grpSpPr>
       <p:sp>
         <p:nvSpPr>
-          <p:cNvPr id="178" name="Google Shape;178;p16"/>
+          <p:cNvPr id="184" name="Google Shape;184;p16"/>
           <p:cNvSpPr txBox="1"/>
           <p:nvPr>
             <p:ph type="title"/>
@@ -15298,7 +15566,7 @@
       </p:sp>
       <p:sp>
         <p:nvSpPr>
-          <p:cNvPr id="179" name="Google Shape;179;p16"/>
+          <p:cNvPr id="185" name="Google Shape;185;p16"/>
           <p:cNvSpPr txBox="1"/>
           <p:nvPr>
             <p:ph idx="1" type="body"/>
@@ -16139,7 +16407,7 @@
                   <a:schemeClr val="dk1"/>
                 </a:solidFill>
               </a:rPr>
-              <a:t>is a stylesheet language used to describe the presentation of a document written in HTML.It describes the style of the web page</a:t>
+              <a:t>is a stylesheet language used to describe the presentation of a document written in HTML. It describes the style of the web page</a:t>
             </a:r>
             <a:endParaRPr sz="2000">
               <a:solidFill>
@@ -18089,6 +18357,73 @@
           </a:p>
         </p:txBody>
       </p:sp>
+      <p:sp>
+        <p:nvSpPr>
+          <p:cNvPr id="104" name="Google Shape;104;p6"/>
+          <p:cNvSpPr/>
+          <p:nvPr/>
+        </p:nvSpPr>
+        <p:spPr>
+          <a:xfrm>
+            <a:off x="7007500" y="4821150"/>
+            <a:ext cx="2136600" cy="322200"/>
+          </a:xfrm>
+          <a:prstGeom prst="rect">
+            <a:avLst/>
+          </a:prstGeom>
+          <a:noFill/>
+          <a:ln>
+            <a:noFill/>
+          </a:ln>
+        </p:spPr>
+        <p:txBody>
+          <a:bodyPr anchorCtr="0" anchor="ctr" bIns="91425" lIns="91425" spcFirstLastPara="1" rIns="91425" wrap="square" tIns="91425">
+            <a:noAutofit/>
+          </a:bodyPr>
+          <a:lstStyle/>
+          <a:p>
+            <a:pPr indent="0" lvl="0" marL="0" rtl="0" algn="ctr">
+              <a:spcBef>
+                <a:spcPts val="0"/>
+              </a:spcBef>
+              <a:spcAft>
+                <a:spcPts val="0"/>
+              </a:spcAft>
+              <a:buNone/>
+            </a:pPr>
+            <a:r>
+              <a:rPr lang="en">
+                <a:latin typeface="Courier New"/>
+                <a:ea typeface="Courier New"/>
+                <a:cs typeface="Courier New"/>
+                <a:sym typeface="Courier New"/>
+              </a:rPr>
+              <a:t>page-1</a:t>
+            </a:r>
+            <a:r>
+              <a:rPr lang="en">
+                <a:solidFill>
+                  <a:srgbClr val="000000"/>
+                </a:solidFill>
+                <a:latin typeface="Courier New"/>
+                <a:ea typeface="Courier New"/>
+                <a:cs typeface="Courier New"/>
+                <a:sym typeface="Courier New"/>
+              </a:rPr>
+              <a:t>.html</a:t>
+            </a:r>
+            <a:endParaRPr>
+              <a:solidFill>
+                <a:srgbClr val="000000"/>
+              </a:solidFill>
+              <a:latin typeface="Courier New"/>
+              <a:ea typeface="Courier New"/>
+              <a:cs typeface="Courier New"/>
+              <a:sym typeface="Courier New"/>
+            </a:endParaRPr>
+          </a:p>
+        </p:txBody>
+      </p:sp>
     </p:spTree>
   </p:cSld>
   <p:clrMapOvr>
@@ -18102,7 +18437,7 @@
   <p:cSld>
     <p:spTree>
       <p:nvGrpSpPr>
-        <p:cNvPr id="107" name="Shape 107"/>
+        <p:cNvPr id="108" name="Shape 108"/>
         <p:cNvGrpSpPr/>
         <p:nvPr/>
       </p:nvGrpSpPr>
@@ -18116,7 +18451,7 @@
       </p:grpSpPr>
       <p:sp>
         <p:nvSpPr>
-          <p:cNvPr id="108" name="Google Shape;108;p7"/>
+          <p:cNvPr id="109" name="Google Shape;109;p7"/>
           <p:cNvSpPr txBox="1"/>
           <p:nvPr>
             <p:ph type="title"/>
@@ -18208,7 +18543,7 @@
       </p:sp>
       <p:sp>
         <p:nvSpPr>
-          <p:cNvPr id="109" name="Google Shape;109;p7"/>
+          <p:cNvPr id="110" name="Google Shape;110;p7"/>
           <p:cNvSpPr txBox="1"/>
           <p:nvPr>
             <p:ph idx="1" type="body"/>
@@ -18591,9 +18926,9 @@
       </p:sp>
       <p:cxnSp>
         <p:nvCxnSpPr>
-          <p:cNvPr id="110" name="Google Shape;110;p7"/>
+          <p:cNvPr id="111" name="Google Shape;111;p7"/>
           <p:cNvCxnSpPr>
-            <a:stCxn id="111" idx="3"/>
+            <a:stCxn id="112" idx="3"/>
           </p:cNvCxnSpPr>
           <p:nvPr/>
         </p:nvCxnSpPr>
@@ -18619,9 +18954,9 @@
       </p:cxnSp>
       <p:cxnSp>
         <p:nvCxnSpPr>
-          <p:cNvPr id="112" name="Google Shape;112;p7"/>
+          <p:cNvPr id="113" name="Google Shape;113;p7"/>
           <p:cNvCxnSpPr>
-            <a:stCxn id="113" idx="1"/>
+            <a:stCxn id="114" idx="1"/>
           </p:cNvCxnSpPr>
           <p:nvPr/>
         </p:nvCxnSpPr>
@@ -18647,7 +18982,7 @@
       </p:cxnSp>
       <p:sp>
         <p:nvSpPr>
-          <p:cNvPr id="114" name="Google Shape;114;p7"/>
+          <p:cNvPr id="115" name="Google Shape;115;p7"/>
           <p:cNvSpPr/>
           <p:nvPr/>
         </p:nvSpPr>
@@ -18713,7 +19048,7 @@
       </p:sp>
       <p:sp>
         <p:nvSpPr>
-          <p:cNvPr id="111" name="Google Shape;111;p7"/>
+          <p:cNvPr id="112" name="Google Shape;112;p7"/>
           <p:cNvSpPr/>
           <p:nvPr/>
         </p:nvSpPr>
@@ -18791,7 +19126,7 @@
       </p:sp>
       <p:sp>
         <p:nvSpPr>
-          <p:cNvPr id="113" name="Google Shape;113;p7"/>
+          <p:cNvPr id="114" name="Google Shape;114;p7"/>
           <p:cNvSpPr/>
           <p:nvPr/>
         </p:nvSpPr>
@@ -18869,9 +19204,9 @@
       </p:sp>
       <p:cxnSp>
         <p:nvCxnSpPr>
-          <p:cNvPr id="115" name="Google Shape;115;p7"/>
+          <p:cNvPr id="116" name="Google Shape;116;p7"/>
           <p:cNvCxnSpPr>
-            <a:stCxn id="113" idx="1"/>
+            <a:stCxn id="114" idx="1"/>
           </p:cNvCxnSpPr>
           <p:nvPr/>
         </p:nvCxnSpPr>
@@ -18897,9 +19232,9 @@
       </p:cxnSp>
       <p:cxnSp>
         <p:nvCxnSpPr>
-          <p:cNvPr id="116" name="Google Shape;116;p7"/>
+          <p:cNvPr id="117" name="Google Shape;117;p7"/>
           <p:cNvCxnSpPr>
-            <a:stCxn id="111" idx="3"/>
+            <a:stCxn id="112" idx="3"/>
           </p:cNvCxnSpPr>
           <p:nvPr/>
         </p:nvCxnSpPr>
@@ -18925,7 +19260,7 @@
       </p:cxnSp>
       <p:sp>
         <p:nvSpPr>
-          <p:cNvPr id="117" name="Google Shape;117;p7"/>
+          <p:cNvPr id="118" name="Google Shape;118;p7"/>
           <p:cNvSpPr/>
           <p:nvPr/>
         </p:nvSpPr>
@@ -18991,7 +19326,7 @@
       </p:sp>
       <p:sp>
         <p:nvSpPr>
-          <p:cNvPr id="118" name="Google Shape;118;p7"/>
+          <p:cNvPr id="119" name="Google Shape;119;p7"/>
           <p:cNvSpPr/>
           <p:nvPr/>
         </p:nvSpPr>
@@ -19055,6 +19390,73 @@
           </a:p>
         </p:txBody>
       </p:sp>
+      <p:sp>
+        <p:nvSpPr>
+          <p:cNvPr id="120" name="Google Shape;120;p7"/>
+          <p:cNvSpPr/>
+          <p:nvPr/>
+        </p:nvSpPr>
+        <p:spPr>
+          <a:xfrm>
+            <a:off x="7007500" y="4821150"/>
+            <a:ext cx="2136600" cy="322200"/>
+          </a:xfrm>
+          <a:prstGeom prst="rect">
+            <a:avLst/>
+          </a:prstGeom>
+          <a:noFill/>
+          <a:ln>
+            <a:noFill/>
+          </a:ln>
+        </p:spPr>
+        <p:txBody>
+          <a:bodyPr anchorCtr="0" anchor="ctr" bIns="91425" lIns="91425" spcFirstLastPara="1" rIns="91425" wrap="square" tIns="91425">
+            <a:noAutofit/>
+          </a:bodyPr>
+          <a:lstStyle/>
+          <a:p>
+            <a:pPr indent="0" lvl="0" marL="0" rtl="0" algn="ctr">
+              <a:spcBef>
+                <a:spcPts val="0"/>
+              </a:spcBef>
+              <a:spcAft>
+                <a:spcPts val="0"/>
+              </a:spcAft>
+              <a:buNone/>
+            </a:pPr>
+            <a:r>
+              <a:rPr lang="en">
+                <a:latin typeface="Courier New"/>
+                <a:ea typeface="Courier New"/>
+                <a:cs typeface="Courier New"/>
+                <a:sym typeface="Courier New"/>
+              </a:rPr>
+              <a:t>page-1</a:t>
+            </a:r>
+            <a:r>
+              <a:rPr lang="en">
+                <a:solidFill>
+                  <a:srgbClr val="000000"/>
+                </a:solidFill>
+                <a:latin typeface="Courier New"/>
+                <a:ea typeface="Courier New"/>
+                <a:cs typeface="Courier New"/>
+                <a:sym typeface="Courier New"/>
+              </a:rPr>
+              <a:t>.html</a:t>
+            </a:r>
+            <a:endParaRPr>
+              <a:solidFill>
+                <a:srgbClr val="000000"/>
+              </a:solidFill>
+              <a:latin typeface="Courier New"/>
+              <a:ea typeface="Courier New"/>
+              <a:cs typeface="Courier New"/>
+              <a:sym typeface="Courier New"/>
+            </a:endParaRPr>
+          </a:p>
+        </p:txBody>
+      </p:sp>
     </p:spTree>
   </p:cSld>
   <p:clrMapOvr>
@@ -19068,7 +19470,7 @@
   <p:cSld>
     <p:spTree>
       <p:nvGrpSpPr>
-        <p:cNvPr id="122" name="Shape 122"/>
+        <p:cNvPr id="124" name="Shape 124"/>
         <p:cNvGrpSpPr/>
         <p:nvPr/>
       </p:nvGrpSpPr>
@@ -19082,7 +19484,7 @@
       </p:grpSpPr>
       <p:sp>
         <p:nvSpPr>
-          <p:cNvPr id="123" name="Google Shape;123;p8"/>
+          <p:cNvPr id="125" name="Google Shape;125;p8"/>
           <p:cNvSpPr txBox="1"/>
           <p:nvPr>
             <p:ph type="title"/>
@@ -19134,7 +19536,7 @@
       </p:sp>
       <p:sp>
         <p:nvSpPr>
-          <p:cNvPr id="124" name="Google Shape;124;p8"/>
+          <p:cNvPr id="126" name="Google Shape;126;p8"/>
           <p:cNvSpPr txBox="1"/>
           <p:nvPr>
             <p:ph idx="1" type="body"/>
@@ -19214,7 +19616,7 @@
       </p:sp>
       <p:pic>
         <p:nvPicPr>
-          <p:cNvPr id="125" name="Google Shape;125;p8"/>
+          <p:cNvPr id="127" name="Google Shape;127;p8"/>
           <p:cNvPicPr preferRelativeResize="0"/>
           <p:nvPr/>
         </p:nvPicPr>
@@ -19241,7 +19643,7 @@
       </p:pic>
       <p:sp>
         <p:nvSpPr>
-          <p:cNvPr id="126" name="Google Shape;126;p8"/>
+          <p:cNvPr id="128" name="Google Shape;128;p8"/>
           <p:cNvSpPr txBox="1"/>
           <p:nvPr/>
         </p:nvSpPr>
@@ -19478,7 +19880,7 @@
   <p:cSld>
     <p:spTree>
       <p:nvGrpSpPr>
-        <p:cNvPr id="130" name="Shape 130"/>
+        <p:cNvPr id="132" name="Shape 132"/>
         <p:cNvGrpSpPr/>
         <p:nvPr/>
       </p:nvGrpSpPr>
@@ -19492,7 +19894,7 @@
       </p:grpSpPr>
       <p:sp>
         <p:nvSpPr>
-          <p:cNvPr id="131" name="Google Shape;131;p9"/>
+          <p:cNvPr id="133" name="Google Shape;133;p9"/>
           <p:cNvSpPr txBox="1"/>
           <p:nvPr>
             <p:ph type="title"/>
@@ -19540,7 +19942,7 @@
       </p:sp>
       <p:sp>
         <p:nvSpPr>
-          <p:cNvPr id="132" name="Google Shape;132;p9"/>
+          <p:cNvPr id="134" name="Google Shape;134;p9"/>
           <p:cNvSpPr txBox="1"/>
           <p:nvPr>
             <p:ph idx="1" type="body"/>
